--- a/yingyu/U22.pptx
+++ b/yingyu/U22.pptx
@@ -6,10 +6,10 @@
   </p:sldMasterIdLst>
   <p:sldIdLst>
     <p:sldId id="264" r:id="rId2"/>
-    <p:sldId id="271" r:id="rId3"/>
-    <p:sldId id="272" r:id="rId4"/>
-    <p:sldId id="273" r:id="rId5"/>
-    <p:sldId id="274" r:id="rId6"/>
+    <p:sldId id="273" r:id="rId3"/>
+    <p:sldId id="274" r:id="rId4"/>
+    <p:sldId id="278" r:id="rId5"/>
+    <p:sldId id="279" r:id="rId6"/>
     <p:sldId id="275" r:id="rId7"/>
     <p:sldId id="276" r:id="rId8"/>
     <p:sldId id="277" r:id="rId9"/>
@@ -266,7 +266,7 @@
           <a:p>
             <a:fld id="{9BD99C30-D060-4281-B028-1C03C8E1D11A}" type="datetimeFigureOut">
               <a:rPr lang="zh-CN" altLang="en-US" smtClean="0"/>
-              <a:t>2019/8/17</a:t>
+              <a:t>2019/8/19</a:t>
             </a:fld>
             <a:endParaRPr lang="zh-CN" altLang="en-US"/>
           </a:p>
@@ -464,7 +464,7 @@
           <a:p>
             <a:fld id="{9BD99C30-D060-4281-B028-1C03C8E1D11A}" type="datetimeFigureOut">
               <a:rPr lang="zh-CN" altLang="en-US" smtClean="0"/>
-              <a:t>2019/8/17</a:t>
+              <a:t>2019/8/19</a:t>
             </a:fld>
             <a:endParaRPr lang="zh-CN" altLang="en-US"/>
           </a:p>
@@ -672,7 +672,7 @@
           <a:p>
             <a:fld id="{9BD99C30-D060-4281-B028-1C03C8E1D11A}" type="datetimeFigureOut">
               <a:rPr lang="zh-CN" altLang="en-US" smtClean="0"/>
-              <a:t>2019/8/17</a:t>
+              <a:t>2019/8/19</a:t>
             </a:fld>
             <a:endParaRPr lang="zh-CN" altLang="en-US"/>
           </a:p>
@@ -870,7 +870,7 @@
           <a:p>
             <a:fld id="{9BD99C30-D060-4281-B028-1C03C8E1D11A}" type="datetimeFigureOut">
               <a:rPr lang="zh-CN" altLang="en-US" smtClean="0"/>
-              <a:t>2019/8/17</a:t>
+              <a:t>2019/8/19</a:t>
             </a:fld>
             <a:endParaRPr lang="zh-CN" altLang="en-US"/>
           </a:p>
@@ -1145,7 +1145,7 @@
           <a:p>
             <a:fld id="{9BD99C30-D060-4281-B028-1C03C8E1D11A}" type="datetimeFigureOut">
               <a:rPr lang="zh-CN" altLang="en-US" smtClean="0"/>
-              <a:t>2019/8/17</a:t>
+              <a:t>2019/8/19</a:t>
             </a:fld>
             <a:endParaRPr lang="zh-CN" altLang="en-US"/>
           </a:p>
@@ -1410,7 +1410,7 @@
           <a:p>
             <a:fld id="{9BD99C30-D060-4281-B028-1C03C8E1D11A}" type="datetimeFigureOut">
               <a:rPr lang="zh-CN" altLang="en-US" smtClean="0"/>
-              <a:t>2019/8/17</a:t>
+              <a:t>2019/8/19</a:t>
             </a:fld>
             <a:endParaRPr lang="zh-CN" altLang="en-US"/>
           </a:p>
@@ -1822,7 +1822,7 @@
           <a:p>
             <a:fld id="{9BD99C30-D060-4281-B028-1C03C8E1D11A}" type="datetimeFigureOut">
               <a:rPr lang="zh-CN" altLang="en-US" smtClean="0"/>
-              <a:t>2019/8/17</a:t>
+              <a:t>2019/8/19</a:t>
             </a:fld>
             <a:endParaRPr lang="zh-CN" altLang="en-US"/>
           </a:p>
@@ -1963,7 +1963,7 @@
           <a:p>
             <a:fld id="{9BD99C30-D060-4281-B028-1C03C8E1D11A}" type="datetimeFigureOut">
               <a:rPr lang="zh-CN" altLang="en-US" smtClean="0"/>
-              <a:t>2019/8/17</a:t>
+              <a:t>2019/8/19</a:t>
             </a:fld>
             <a:endParaRPr lang="zh-CN" altLang="en-US"/>
           </a:p>
@@ -2076,7 +2076,7 @@
           <a:p>
             <a:fld id="{9BD99C30-D060-4281-B028-1C03C8E1D11A}" type="datetimeFigureOut">
               <a:rPr lang="zh-CN" altLang="en-US" smtClean="0"/>
-              <a:t>2019/8/17</a:t>
+              <a:t>2019/8/19</a:t>
             </a:fld>
             <a:endParaRPr lang="zh-CN" altLang="en-US"/>
           </a:p>
@@ -2387,7 +2387,7 @@
           <a:p>
             <a:fld id="{9BD99C30-D060-4281-B028-1C03C8E1D11A}" type="datetimeFigureOut">
               <a:rPr lang="zh-CN" altLang="en-US" smtClean="0"/>
-              <a:t>2019/8/17</a:t>
+              <a:t>2019/8/19</a:t>
             </a:fld>
             <a:endParaRPr lang="zh-CN" altLang="en-US"/>
           </a:p>
@@ -2675,7 +2675,7 @@
           <a:p>
             <a:fld id="{9BD99C30-D060-4281-B028-1C03C8E1D11A}" type="datetimeFigureOut">
               <a:rPr lang="zh-CN" altLang="en-US" smtClean="0"/>
-              <a:t>2019/8/17</a:t>
+              <a:t>2019/8/19</a:t>
             </a:fld>
             <a:endParaRPr lang="zh-CN" altLang="en-US"/>
           </a:p>
@@ -2925,7 +2925,7 @@
           <a:p>
             <a:fld id="{9BD99C30-D060-4281-B028-1C03C8E1D11A}" type="datetimeFigureOut">
               <a:rPr lang="zh-CN" altLang="en-US" smtClean="0"/>
-              <a:t>2019/8/17</a:t>
+              <a:t>2019/8/19</a:t>
             </a:fld>
             <a:endParaRPr lang="zh-CN" altLang="en-US"/>
           </a:p>
@@ -3436,8 +3436,8 @@
         </p:nvSpPr>
         <p:spPr>
           <a:xfrm>
-            <a:off x="772160" y="192088"/>
-            <a:ext cx="3714999" cy="6478184"/>
+            <a:off x="979550" y="98344"/>
+            <a:ext cx="3196525" cy="6478184"/>
           </a:xfrm>
           <a:prstGeom prst="rect">
             <a:avLst/>
@@ -3463,7 +3463,7 @@
                 <a:ea typeface="楷体" panose="02010609060101010101" pitchFamily="49" charset="-122"/>
                 <a:cs typeface="Times New Roman" panose="02020603050405020304" pitchFamily="18" charset="0"/>
               </a:rPr>
-              <a:t>sacrifice</a:t>
+              <a:t>suppose</a:t>
             </a:r>
           </a:p>
           <a:p>
@@ -3480,7 +3480,7 @@
                 <a:ea typeface="楷体" panose="02010609060101010101" pitchFamily="49" charset="-122"/>
                 <a:cs typeface="Times New Roman" panose="02020603050405020304" pitchFamily="18" charset="0"/>
               </a:rPr>
-              <a:t>consensus</a:t>
+              <a:t>support</a:t>
             </a:r>
           </a:p>
           <a:p>
@@ -3497,7 +3497,7 @@
                 <a:ea typeface="楷体" panose="02010609060101010101" pitchFamily="49" charset="-122"/>
                 <a:cs typeface="Times New Roman" panose="02020603050405020304" pitchFamily="18" charset="0"/>
               </a:rPr>
-              <a:t>relevant</a:t>
+              <a:t>consensus</a:t>
             </a:r>
           </a:p>
           <a:p>
@@ -3514,7 +3514,7 @@
                 <a:ea typeface="楷体" panose="02010609060101010101" pitchFamily="49" charset="-122"/>
                 <a:cs typeface="Times New Roman" panose="02020603050405020304" pitchFamily="18" charset="0"/>
               </a:rPr>
-              <a:t>pin</a:t>
+              <a:t>relevant</a:t>
             </a:r>
           </a:p>
           <a:p>
@@ -3531,7 +3531,7 @@
                 <a:ea typeface="楷体" panose="02010609060101010101" pitchFamily="49" charset="-122"/>
                 <a:cs typeface="Times New Roman" panose="02020603050405020304" pitchFamily="18" charset="0"/>
               </a:rPr>
-              <a:t>coincidence</a:t>
+              <a:t>endanger</a:t>
             </a:r>
           </a:p>
           <a:p>
@@ -3548,7 +3548,7 @@
                 <a:ea typeface="楷体" panose="02010609060101010101" pitchFamily="49" charset="-122"/>
                 <a:cs typeface="Times New Roman" panose="02020603050405020304" pitchFamily="18" charset="0"/>
               </a:rPr>
-              <a:t>drought</a:t>
+              <a:t>coincidence</a:t>
             </a:r>
           </a:p>
           <a:p>
@@ -3565,7 +3565,7 @@
                 <a:ea typeface="楷体" panose="02010609060101010101" pitchFamily="49" charset="-122"/>
                 <a:cs typeface="Times New Roman" panose="02020603050405020304" pitchFamily="18" charset="0"/>
               </a:rPr>
-              <a:t>reservation</a:t>
+              <a:t>enforce</a:t>
             </a:r>
           </a:p>
           <a:p>
@@ -3577,18 +3577,13 @@
               <a:buAutoNum type="arabicPeriod"/>
             </a:pPr>
             <a:r>
-              <a:rPr lang="zh-CN" altLang="en-US" sz="2800" b="1" dirty="0">
-                <a:latin typeface="Times New Roman" panose="02020603050405020304" pitchFamily="18" charset="0"/>
-                <a:ea typeface="楷体" panose="02010609060101010101" pitchFamily="49" charset="-122"/>
-                <a:cs typeface="Times New Roman" panose="02020603050405020304" pitchFamily="18" charset="0"/>
-              </a:rPr>
-              <a:t>采取行动</a:t>
-            </a:r>
-            <a:endParaRPr lang="en-US" altLang="zh-CN" sz="2800" b="1" dirty="0">
-              <a:latin typeface="Times New Roman" panose="02020603050405020304" pitchFamily="18" charset="0"/>
-              <a:ea typeface="楷体" panose="02010609060101010101" pitchFamily="49" charset="-122"/>
-              <a:cs typeface="Times New Roman" panose="02020603050405020304" pitchFamily="18" charset="0"/>
-            </a:endParaRPr>
+              <a:rPr lang="en-US" altLang="zh-CN" sz="2800" b="1" dirty="0">
+                <a:latin typeface="Times New Roman" panose="02020603050405020304" pitchFamily="18" charset="0"/>
+                <a:ea typeface="楷体" panose="02010609060101010101" pitchFamily="49" charset="-122"/>
+                <a:cs typeface="Times New Roman" panose="02020603050405020304" pitchFamily="18" charset="0"/>
+              </a:rPr>
+              <a:t>reservation</a:t>
+            </a:r>
           </a:p>
           <a:p>
             <a:pPr marL="514350" lvl="0" indent="-514350">
@@ -3599,13 +3594,18 @@
               <a:buAutoNum type="arabicPeriod"/>
             </a:pPr>
             <a:r>
-              <a:rPr lang="en-US" altLang="zh-CN" sz="2800" b="1" dirty="0">
-                <a:latin typeface="Times New Roman" panose="02020603050405020304" pitchFamily="18" charset="0"/>
-                <a:ea typeface="楷体" panose="02010609060101010101" pitchFamily="49" charset="-122"/>
-                <a:cs typeface="Times New Roman" panose="02020603050405020304" pitchFamily="18" charset="0"/>
-              </a:rPr>
-              <a:t>advocate</a:t>
-            </a:r>
+              <a:rPr lang="zh-CN" altLang="en-US" sz="2800" b="1" dirty="0">
+                <a:latin typeface="Times New Roman" panose="02020603050405020304" pitchFamily="18" charset="0"/>
+                <a:ea typeface="楷体" panose="02010609060101010101" pitchFamily="49" charset="-122"/>
+                <a:cs typeface="Times New Roman" panose="02020603050405020304" pitchFamily="18" charset="0"/>
+              </a:rPr>
+              <a:t>采取行动</a:t>
+            </a:r>
+            <a:endParaRPr lang="en-US" altLang="zh-CN" sz="2800" b="1" dirty="0">
+              <a:latin typeface="Times New Roman" panose="02020603050405020304" pitchFamily="18" charset="0"/>
+              <a:ea typeface="楷体" panose="02010609060101010101" pitchFamily="49" charset="-122"/>
+              <a:cs typeface="Times New Roman" panose="02020603050405020304" pitchFamily="18" charset="0"/>
+            </a:endParaRPr>
           </a:p>
           <a:p>
             <a:pPr marL="514350" lvl="0" indent="-514350">
@@ -3621,7 +3621,7 @@
                 <a:ea typeface="楷体" panose="02010609060101010101" pitchFamily="49" charset="-122"/>
                 <a:cs typeface="Times New Roman" panose="02020603050405020304" pitchFamily="18" charset="0"/>
               </a:rPr>
-              <a:t>substitute</a:t>
+              <a:t>advocate</a:t>
             </a:r>
           </a:p>
         </p:txBody>
@@ -3629,7 +3629,7 @@
     </p:spTree>
     <p:extLst>
       <p:ext uri="{BB962C8B-B14F-4D97-AF65-F5344CB8AC3E}">
-        <p14:creationId xmlns:p14="http://schemas.microsoft.com/office/powerpoint/2010/main" val="1905307677"/>
+        <p14:creationId xmlns:p14="http://schemas.microsoft.com/office/powerpoint/2010/main" val="355679919"/>
       </p:ext>
     </p:extLst>
   </p:cSld>
@@ -3670,8 +3670,8 @@
         </p:nvSpPr>
         <p:spPr>
           <a:xfrm>
-            <a:off x="906021" y="0"/>
-            <a:ext cx="3270054" cy="6478184"/>
+            <a:off x="1103983" y="113122"/>
+            <a:ext cx="2742152" cy="6473824"/>
           </a:xfrm>
           <a:prstGeom prst="rect">
             <a:avLst/>
@@ -3697,7 +3697,7 @@
                 <a:ea typeface="楷体" panose="02010609060101010101" pitchFamily="49" charset="-122"/>
                 <a:cs typeface="Times New Roman" panose="02020603050405020304" pitchFamily="18" charset="0"/>
               </a:rPr>
-              <a:t>threaten</a:t>
+              <a:t>substitute</a:t>
             </a:r>
           </a:p>
           <a:p>
@@ -3714,7 +3714,7 @@
                 <a:ea typeface="楷体" panose="02010609060101010101" pitchFamily="49" charset="-122"/>
                 <a:cs typeface="Times New Roman" panose="02020603050405020304" pitchFamily="18" charset="0"/>
               </a:rPr>
-              <a:t>beyond</a:t>
+              <a:t>threaten</a:t>
             </a:r>
           </a:p>
           <a:p>
@@ -3731,7 +3731,7 @@
                 <a:ea typeface="楷体" panose="02010609060101010101" pitchFamily="49" charset="-122"/>
                 <a:cs typeface="Times New Roman" panose="02020603050405020304" pitchFamily="18" charset="0"/>
               </a:rPr>
-              <a:t>condemn</a:t>
+              <a:t>beyond</a:t>
             </a:r>
           </a:p>
           <a:p>
@@ -3748,7 +3748,7 @@
                 <a:ea typeface="楷体" panose="02010609060101010101" pitchFamily="49" charset="-122"/>
                 <a:cs typeface="Times New Roman" panose="02020603050405020304" pitchFamily="18" charset="0"/>
               </a:rPr>
-              <a:t>recycle</a:t>
+              <a:t>extinct</a:t>
             </a:r>
           </a:p>
           <a:p>
@@ -3765,7 +3765,7 @@
                 <a:ea typeface="楷体" panose="02010609060101010101" pitchFamily="49" charset="-122"/>
                 <a:cs typeface="Times New Roman" panose="02020603050405020304" pitchFamily="18" charset="0"/>
               </a:rPr>
-              <a:t>hurricane</a:t>
+              <a:t>recycle</a:t>
             </a:r>
           </a:p>
           <a:p>
@@ -3782,7 +3782,7 @@
                 <a:ea typeface="楷体" panose="02010609060101010101" pitchFamily="49" charset="-122"/>
                 <a:cs typeface="Times New Roman" panose="02020603050405020304" pitchFamily="18" charset="0"/>
               </a:rPr>
-              <a:t>claim</a:t>
+              <a:t>apart from</a:t>
             </a:r>
           </a:p>
           <a:p>
@@ -3794,18 +3794,13 @@
               <a:buAutoNum type="arabicPeriod" startAt="11"/>
             </a:pPr>
             <a:r>
-              <a:rPr lang="zh-CN" altLang="en-US" sz="2800" b="1" dirty="0">
-                <a:latin typeface="Times New Roman" panose="02020603050405020304" pitchFamily="18" charset="0"/>
-                <a:ea typeface="楷体" panose="02010609060101010101" pitchFamily="49" charset="-122"/>
-                <a:cs typeface="Times New Roman" panose="02020603050405020304" pitchFamily="18" charset="0"/>
-              </a:rPr>
-              <a:t>导致</a:t>
-            </a:r>
-            <a:endParaRPr lang="en-US" altLang="zh-CN" sz="2800" b="1" dirty="0">
-              <a:latin typeface="Times New Roman" panose="02020603050405020304" pitchFamily="18" charset="0"/>
-              <a:ea typeface="楷体" panose="02010609060101010101" pitchFamily="49" charset="-122"/>
-              <a:cs typeface="Times New Roman" panose="02020603050405020304" pitchFamily="18" charset="0"/>
-            </a:endParaRPr>
+              <a:rPr lang="en-US" altLang="zh-CN" sz="2800" b="1" dirty="0">
+                <a:latin typeface="Times New Roman" panose="02020603050405020304" pitchFamily="18" charset="0"/>
+                <a:ea typeface="楷体" panose="02010609060101010101" pitchFamily="49" charset="-122"/>
+                <a:cs typeface="Times New Roman" panose="02020603050405020304" pitchFamily="18" charset="0"/>
+              </a:rPr>
+              <a:t>claim</a:t>
+            </a:r>
           </a:p>
           <a:p>
             <a:pPr marL="514350" lvl="0" indent="-514350">
@@ -3821,7 +3816,7 @@
                 <a:ea typeface="楷体" panose="02010609060101010101" pitchFamily="49" charset="-122"/>
                 <a:cs typeface="Times New Roman" panose="02020603050405020304" pitchFamily="18" charset="0"/>
               </a:rPr>
-              <a:t>展望未来</a:t>
+              <a:t>导致</a:t>
             </a:r>
             <a:endParaRPr lang="en-US" altLang="zh-CN" sz="2800" b="1" dirty="0">
               <a:latin typeface="Times New Roman" panose="02020603050405020304" pitchFamily="18" charset="0"/>
@@ -3860,7 +3855,7 @@
                 <a:ea typeface="楷体" panose="02010609060101010101" pitchFamily="49" charset="-122"/>
                 <a:cs typeface="Times New Roman" panose="02020603050405020304" pitchFamily="18" charset="0"/>
               </a:rPr>
-              <a:t>依次</a:t>
+              <a:t>代表四中</a:t>
             </a:r>
             <a:endParaRPr lang="en-US" altLang="zh-CN" sz="2800" b="1" dirty="0">
               <a:latin typeface="Times New Roman" panose="02020603050405020304" pitchFamily="18" charset="0"/>
@@ -3873,7 +3868,7 @@
     </p:spTree>
     <p:extLst>
       <p:ext uri="{BB962C8B-B14F-4D97-AF65-F5344CB8AC3E}">
-        <p14:creationId xmlns:p14="http://schemas.microsoft.com/office/powerpoint/2010/main" val="2513788553"/>
+        <p14:creationId xmlns:p14="http://schemas.microsoft.com/office/powerpoint/2010/main" val="820289433"/>
       </p:ext>
     </p:extLst>
   </p:cSld>
@@ -3915,7 +3910,7 @@
         <p:spPr>
           <a:xfrm>
             <a:off x="5039360" y="211260"/>
-            <a:ext cx="6868160" cy="6454652"/>
+            <a:ext cx="6868160" cy="6473824"/>
           </a:xfrm>
           <a:prstGeom prst="rect">
             <a:avLst/>
@@ -3944,7 +3939,7 @@
                 <a:ea typeface="楷体" panose="02010609060101010101" pitchFamily="49" charset="-122"/>
                 <a:cs typeface="Times New Roman" panose="02020603050405020304" pitchFamily="18" charset="0"/>
               </a:rPr>
-              <a:t>牺牲；献出 </a:t>
+              <a:t>假设 </a:t>
             </a:r>
             <a:r>
               <a:rPr lang="en-US" altLang="zh-CN" sz="2800" b="1" dirty="0" err="1">
@@ -3956,99 +3951,6 @@
                 <a:cs typeface="Times New Roman" panose="02020603050405020304" pitchFamily="18" charset="0"/>
               </a:rPr>
               <a:t>vt.</a:t>
-            </a:r>
-            <a:r>
-              <a:rPr lang="en-US" altLang="zh-CN" sz="2800" b="1" dirty="0">
-                <a:solidFill>
-                  <a:srgbClr val="0070C0"/>
-                </a:solidFill>
-                <a:latin typeface="Times New Roman" panose="02020603050405020304" pitchFamily="18" charset="0"/>
-                <a:ea typeface="楷体" panose="02010609060101010101" pitchFamily="49" charset="-122"/>
-                <a:cs typeface="Times New Roman" panose="02020603050405020304" pitchFamily="18" charset="0"/>
-              </a:rPr>
-              <a:t>/vi. </a:t>
-            </a:r>
-          </a:p>
-          <a:p>
-            <a:pPr marL="514350" lvl="0" indent="-514350">
-              <a:lnSpc>
-                <a:spcPct val="150000"/>
-              </a:lnSpc>
-              <a:buFont typeface="+mj-lt"/>
-              <a:buAutoNum type="arabicPeriod"/>
-            </a:pPr>
-            <a:r>
-              <a:rPr lang="zh-CN" altLang="en-US" sz="2800" b="1" dirty="0">
-                <a:solidFill>
-                  <a:srgbClr val="0070C0"/>
-                </a:solidFill>
-                <a:latin typeface="Times New Roman" panose="02020603050405020304" pitchFamily="18" charset="0"/>
-                <a:ea typeface="楷体" panose="02010609060101010101" pitchFamily="49" charset="-122"/>
-                <a:cs typeface="Times New Roman" panose="02020603050405020304" pitchFamily="18" charset="0"/>
-              </a:rPr>
-              <a:t>一致的意见 </a:t>
-            </a:r>
-            <a:r>
-              <a:rPr lang="en-US" altLang="zh-CN" sz="2800" b="1" dirty="0">
-                <a:solidFill>
-                  <a:srgbClr val="0070C0"/>
-                </a:solidFill>
-                <a:latin typeface="Times New Roman" panose="02020603050405020304" pitchFamily="18" charset="0"/>
-                <a:ea typeface="楷体" panose="02010609060101010101" pitchFamily="49" charset="-122"/>
-                <a:cs typeface="Times New Roman" panose="02020603050405020304" pitchFamily="18" charset="0"/>
-              </a:rPr>
-              <a:t>n.</a:t>
-            </a:r>
-          </a:p>
-          <a:p>
-            <a:pPr marL="514350" lvl="0" indent="-514350">
-              <a:lnSpc>
-                <a:spcPct val="150000"/>
-              </a:lnSpc>
-              <a:buFont typeface="+mj-lt"/>
-              <a:buAutoNum type="arabicPeriod"/>
-            </a:pPr>
-            <a:r>
-              <a:rPr lang="zh-CN" altLang="en-US" sz="2800" b="1" dirty="0">
-                <a:solidFill>
-                  <a:srgbClr val="0070C0"/>
-                </a:solidFill>
-                <a:latin typeface="Times New Roman" panose="02020603050405020304" pitchFamily="18" charset="0"/>
-                <a:ea typeface="楷体" panose="02010609060101010101" pitchFamily="49" charset="-122"/>
-                <a:cs typeface="Times New Roman" panose="02020603050405020304" pitchFamily="18" charset="0"/>
-              </a:rPr>
-              <a:t>有关的 </a:t>
-            </a:r>
-            <a:r>
-              <a:rPr lang="en-US" altLang="zh-CN" sz="2800" b="1" dirty="0">
-                <a:solidFill>
-                  <a:srgbClr val="0070C0"/>
-                </a:solidFill>
-                <a:latin typeface="Times New Roman" panose="02020603050405020304" pitchFamily="18" charset="0"/>
-                <a:ea typeface="楷体" panose="02010609060101010101" pitchFamily="49" charset="-122"/>
-                <a:cs typeface="Times New Roman" panose="02020603050405020304" pitchFamily="18" charset="0"/>
-              </a:rPr>
-              <a:t>adj.</a:t>
-            </a:r>
-          </a:p>
-          <a:p>
-            <a:pPr marL="514350" lvl="0" indent="-514350">
-              <a:lnSpc>
-                <a:spcPct val="150000"/>
-              </a:lnSpc>
-              <a:buFont typeface="+mj-lt"/>
-              <a:buAutoNum type="arabicPeriod"/>
-            </a:pPr>
-            <a:r>
-              <a:rPr lang="zh-CN" altLang="en-US" sz="2800" b="1" dirty="0">
-                <a:solidFill>
-                  <a:srgbClr val="0070C0"/>
-                </a:solidFill>
-                <a:latin typeface="Times New Roman" panose="02020603050405020304" pitchFamily="18" charset="0"/>
-                <a:ea typeface="楷体" panose="02010609060101010101" pitchFamily="49" charset="-122"/>
-                <a:cs typeface="Times New Roman" panose="02020603050405020304" pitchFamily="18" charset="0"/>
-              </a:rPr>
-              <a:t>把责任加在（某人）身上</a:t>
             </a:r>
             <a:endParaRPr lang="en-US" altLang="zh-CN" sz="2800" b="1" dirty="0">
               <a:solidFill>
@@ -4076,7 +3978,7 @@
                 <a:ea typeface="楷体" panose="02010609060101010101" pitchFamily="49" charset="-122"/>
                 <a:cs typeface="Times New Roman" panose="02020603050405020304" pitchFamily="18" charset="0"/>
               </a:rPr>
-              <a:t>巧合 </a:t>
+              <a:t>支持 </a:t>
             </a:r>
             <a:r>
               <a:rPr lang="en-US" altLang="zh-CN" sz="2800" b="1" dirty="0">
@@ -4087,7 +3989,7 @@
                 <a:ea typeface="楷体" panose="02010609060101010101" pitchFamily="49" charset="-122"/>
                 <a:cs typeface="Times New Roman" panose="02020603050405020304" pitchFamily="18" charset="0"/>
               </a:rPr>
-              <a:t>n.</a:t>
+              <a:t>n./v.</a:t>
             </a:r>
           </a:p>
           <a:p>
@@ -4107,7 +4009,7 @@
                 <a:ea typeface="楷体" panose="02010609060101010101" pitchFamily="49" charset="-122"/>
                 <a:cs typeface="Times New Roman" panose="02020603050405020304" pitchFamily="18" charset="0"/>
               </a:rPr>
-              <a:t>旱灾 </a:t>
+              <a:t>一致的意见 </a:t>
             </a:r>
             <a:r>
               <a:rPr lang="en-US" altLang="zh-CN" sz="2800" b="1" dirty="0">
@@ -4138,7 +4040,7 @@
                 <a:ea typeface="楷体" panose="02010609060101010101" pitchFamily="49" charset="-122"/>
                 <a:cs typeface="Times New Roman" panose="02020603050405020304" pitchFamily="18" charset="0"/>
               </a:rPr>
-              <a:t>保护 </a:t>
+              <a:t>有关的 </a:t>
             </a:r>
             <a:r>
               <a:rPr lang="en-US" altLang="zh-CN" sz="2800" b="1" dirty="0">
@@ -4149,7 +4051,7 @@
                 <a:ea typeface="楷体" panose="02010609060101010101" pitchFamily="49" charset="-122"/>
                 <a:cs typeface="Times New Roman" panose="02020603050405020304" pitchFamily="18" charset="0"/>
               </a:rPr>
-              <a:t>n.</a:t>
+              <a:t>adj.</a:t>
             </a:r>
           </a:p>
           <a:p>
@@ -4161,7 +4063,7 @@
               <a:buAutoNum type="arabicPeriod"/>
             </a:pPr>
             <a:r>
-              <a:rPr lang="en-US" altLang="zh-CN" sz="2800" b="1" dirty="0">
+              <a:rPr lang="zh-CN" altLang="en-US" sz="2800" b="1" dirty="0">
                 <a:solidFill>
                   <a:srgbClr val="0070C0"/>
                 </a:solidFill>
@@ -4169,8 +4071,27 @@
                 <a:ea typeface="楷体" panose="02010609060101010101" pitchFamily="49" charset="-122"/>
                 <a:cs typeface="Times New Roman" panose="02020603050405020304" pitchFamily="18" charset="0"/>
               </a:rPr>
-              <a:t>take action/measures</a:t>
-            </a:r>
+              <a:t>危害 </a:t>
+            </a:r>
+            <a:r>
+              <a:rPr lang="en-US" altLang="zh-CN" sz="2800" b="1" dirty="0" err="1">
+                <a:solidFill>
+                  <a:srgbClr val="0070C0"/>
+                </a:solidFill>
+                <a:latin typeface="Times New Roman" panose="02020603050405020304" pitchFamily="18" charset="0"/>
+                <a:ea typeface="楷体" panose="02010609060101010101" pitchFamily="49" charset="-122"/>
+                <a:cs typeface="Times New Roman" panose="02020603050405020304" pitchFamily="18" charset="0"/>
+              </a:rPr>
+              <a:t>vt.</a:t>
+            </a:r>
+            <a:endParaRPr lang="en-US" altLang="zh-CN" sz="2800" b="1" dirty="0">
+              <a:solidFill>
+                <a:srgbClr val="0070C0"/>
+              </a:solidFill>
+              <a:latin typeface="Times New Roman" panose="02020603050405020304" pitchFamily="18" charset="0"/>
+              <a:ea typeface="楷体" panose="02010609060101010101" pitchFamily="49" charset="-122"/>
+              <a:cs typeface="Times New Roman" panose="02020603050405020304" pitchFamily="18" charset="0"/>
+            </a:endParaRPr>
           </a:p>
           <a:p>
             <a:pPr marL="514350" lvl="0" indent="-514350">
@@ -4189,40 +4110,7 @@
                 <a:ea typeface="楷体" panose="02010609060101010101" pitchFamily="49" charset="-122"/>
                 <a:cs typeface="Times New Roman" panose="02020603050405020304" pitchFamily="18" charset="0"/>
               </a:rPr>
-              <a:t>主张；提倡 </a:t>
-            </a:r>
-            <a:r>
-              <a:rPr lang="en-US" altLang="zh-CN" sz="2800" b="1" dirty="0" err="1">
-                <a:solidFill>
-                  <a:srgbClr val="0070C0"/>
-                </a:solidFill>
-                <a:latin typeface="Times New Roman" panose="02020603050405020304" pitchFamily="18" charset="0"/>
-                <a:ea typeface="楷体" panose="02010609060101010101" pitchFamily="49" charset="-122"/>
-                <a:cs typeface="Times New Roman" panose="02020603050405020304" pitchFamily="18" charset="0"/>
-              </a:rPr>
-              <a:t>vt.</a:t>
-            </a:r>
-            <a:r>
-              <a:rPr lang="en-US" altLang="zh-CN" sz="2800" b="1" dirty="0">
-                <a:solidFill>
-                  <a:srgbClr val="0070C0"/>
-                </a:solidFill>
-                <a:latin typeface="Times New Roman" panose="02020603050405020304" pitchFamily="18" charset="0"/>
-                <a:ea typeface="楷体" panose="02010609060101010101" pitchFamily="49" charset="-122"/>
-                <a:cs typeface="Times New Roman" panose="02020603050405020304" pitchFamily="18" charset="0"/>
-              </a:rPr>
-              <a:t> </a:t>
-            </a:r>
-            <a:r>
-              <a:rPr lang="zh-CN" altLang="en-US" sz="2800" b="1" dirty="0">
-                <a:solidFill>
-                  <a:srgbClr val="0070C0"/>
-                </a:solidFill>
-                <a:latin typeface="Times New Roman" panose="02020603050405020304" pitchFamily="18" charset="0"/>
-                <a:ea typeface="楷体" panose="02010609060101010101" pitchFamily="49" charset="-122"/>
-                <a:cs typeface="Times New Roman" panose="02020603050405020304" pitchFamily="18" charset="0"/>
-              </a:rPr>
-              <a:t>倡导者 </a:t>
+              <a:t>巧合 </a:t>
             </a:r>
             <a:r>
               <a:rPr lang="en-US" altLang="zh-CN" sz="2800" b="1" dirty="0">
@@ -4253,7 +4141,130 @@
                 <a:ea typeface="楷体" panose="02010609060101010101" pitchFamily="49" charset="-122"/>
                 <a:cs typeface="Times New Roman" panose="02020603050405020304" pitchFamily="18" charset="0"/>
               </a:rPr>
-              <a:t>代替品 </a:t>
+              <a:t>执行；实施 </a:t>
+            </a:r>
+            <a:r>
+              <a:rPr lang="en-US" altLang="zh-CN" sz="2800" b="1" dirty="0" err="1">
+                <a:solidFill>
+                  <a:srgbClr val="0070C0"/>
+                </a:solidFill>
+                <a:latin typeface="Times New Roman" panose="02020603050405020304" pitchFamily="18" charset="0"/>
+                <a:ea typeface="楷体" panose="02010609060101010101" pitchFamily="49" charset="-122"/>
+                <a:cs typeface="Times New Roman" panose="02020603050405020304" pitchFamily="18" charset="0"/>
+              </a:rPr>
+              <a:t>vt.</a:t>
+            </a:r>
+            <a:endParaRPr lang="en-US" altLang="zh-CN" sz="2800" b="1" dirty="0">
+              <a:solidFill>
+                <a:srgbClr val="0070C0"/>
+              </a:solidFill>
+              <a:latin typeface="Times New Roman" panose="02020603050405020304" pitchFamily="18" charset="0"/>
+              <a:ea typeface="楷体" panose="02010609060101010101" pitchFamily="49" charset="-122"/>
+              <a:cs typeface="Times New Roman" panose="02020603050405020304" pitchFamily="18" charset="0"/>
+            </a:endParaRPr>
+          </a:p>
+          <a:p>
+            <a:pPr marL="514350" lvl="0" indent="-514350">
+              <a:lnSpc>
+                <a:spcPct val="150000"/>
+              </a:lnSpc>
+              <a:buFont typeface="+mj-lt"/>
+              <a:buAutoNum type="arabicPeriod"/>
+            </a:pPr>
+            <a:r>
+              <a:rPr lang="zh-CN" altLang="en-US" sz="2800" b="1" dirty="0">
+                <a:solidFill>
+                  <a:srgbClr val="0070C0"/>
+                </a:solidFill>
+                <a:latin typeface="Times New Roman" panose="02020603050405020304" pitchFamily="18" charset="0"/>
+                <a:ea typeface="楷体" panose="02010609060101010101" pitchFamily="49" charset="-122"/>
+                <a:cs typeface="Times New Roman" panose="02020603050405020304" pitchFamily="18" charset="0"/>
+              </a:rPr>
+              <a:t>保护 </a:t>
+            </a:r>
+            <a:r>
+              <a:rPr lang="en-US" altLang="zh-CN" sz="2800" b="1" dirty="0">
+                <a:solidFill>
+                  <a:srgbClr val="0070C0"/>
+                </a:solidFill>
+                <a:latin typeface="Times New Roman" panose="02020603050405020304" pitchFamily="18" charset="0"/>
+                <a:ea typeface="楷体" panose="02010609060101010101" pitchFamily="49" charset="-122"/>
+                <a:cs typeface="Times New Roman" panose="02020603050405020304" pitchFamily="18" charset="0"/>
+              </a:rPr>
+              <a:t>n.</a:t>
+            </a:r>
+          </a:p>
+          <a:p>
+            <a:pPr marL="514350" lvl="0" indent="-514350">
+              <a:lnSpc>
+                <a:spcPct val="150000"/>
+              </a:lnSpc>
+              <a:buFont typeface="+mj-lt"/>
+              <a:buAutoNum type="arabicPeriod"/>
+            </a:pPr>
+            <a:r>
+              <a:rPr lang="en-US" altLang="zh-CN" sz="2800" b="1" dirty="0">
+                <a:solidFill>
+                  <a:srgbClr val="0070C0"/>
+                </a:solidFill>
+                <a:latin typeface="Times New Roman" panose="02020603050405020304" pitchFamily="18" charset="0"/>
+                <a:ea typeface="楷体" panose="02010609060101010101" pitchFamily="49" charset="-122"/>
+                <a:cs typeface="Times New Roman" panose="02020603050405020304" pitchFamily="18" charset="0"/>
+              </a:rPr>
+              <a:t>take/adapt action/measures</a:t>
+            </a:r>
+          </a:p>
+          <a:p>
+            <a:pPr marL="514350" lvl="0" indent="-514350">
+              <a:lnSpc>
+                <a:spcPct val="150000"/>
+              </a:lnSpc>
+              <a:buFont typeface="+mj-lt"/>
+              <a:buAutoNum type="arabicPeriod"/>
+            </a:pPr>
+            <a:r>
+              <a:rPr lang="zh-CN" altLang="en-US" sz="2800" b="1" dirty="0">
+                <a:solidFill>
+                  <a:srgbClr val="0070C0"/>
+                </a:solidFill>
+                <a:latin typeface="Times New Roman" panose="02020603050405020304" pitchFamily="18" charset="0"/>
+                <a:ea typeface="楷体" panose="02010609060101010101" pitchFamily="49" charset="-122"/>
+                <a:cs typeface="Times New Roman" panose="02020603050405020304" pitchFamily="18" charset="0"/>
+              </a:rPr>
+              <a:t>主张；提倡 </a:t>
+            </a:r>
+            <a:r>
+              <a:rPr lang="en-US" altLang="zh-CN" sz="2800" b="1" dirty="0" err="1">
+                <a:solidFill>
+                  <a:srgbClr val="0070C0"/>
+                </a:solidFill>
+                <a:latin typeface="Times New Roman" panose="02020603050405020304" pitchFamily="18" charset="0"/>
+                <a:ea typeface="楷体" panose="02010609060101010101" pitchFamily="49" charset="-122"/>
+                <a:cs typeface="Times New Roman" panose="02020603050405020304" pitchFamily="18" charset="0"/>
+              </a:rPr>
+              <a:t>vt.</a:t>
+            </a:r>
+            <a:r>
+              <a:rPr lang="en-US" altLang="zh-CN" sz="2800" b="1" dirty="0">
+                <a:solidFill>
+                  <a:srgbClr val="0070C0"/>
+                </a:solidFill>
+                <a:latin typeface="Times New Roman" panose="02020603050405020304" pitchFamily="18" charset="0"/>
+                <a:ea typeface="楷体" panose="02010609060101010101" pitchFamily="49" charset="-122"/>
+                <a:cs typeface="Times New Roman" panose="02020603050405020304" pitchFamily="18" charset="0"/>
+              </a:rPr>
+              <a:t> </a:t>
+            </a:r>
+            <a:r>
+              <a:rPr lang="zh-CN" altLang="en-US" sz="2800" b="1" dirty="0">
+                <a:solidFill>
+                  <a:srgbClr val="0070C0"/>
+                </a:solidFill>
+                <a:latin typeface="Times New Roman" panose="02020603050405020304" pitchFamily="18" charset="0"/>
+                <a:ea typeface="楷体" panose="02010609060101010101" pitchFamily="49" charset="-122"/>
+                <a:cs typeface="Times New Roman" panose="02020603050405020304" pitchFamily="18" charset="0"/>
+              </a:rPr>
+              <a:t>倡导者 </a:t>
             </a:r>
             <a:r>
               <a:rPr lang="en-US" altLang="zh-CN" sz="2800" b="1" dirty="0">
@@ -4310,7 +4321,7 @@
                 <a:ea typeface="楷体" panose="02010609060101010101" pitchFamily="49" charset="-122"/>
                 <a:cs typeface="Times New Roman" panose="02020603050405020304" pitchFamily="18" charset="0"/>
               </a:rPr>
-              <a:t>sacrifice</a:t>
+              <a:t>suppose</a:t>
             </a:r>
           </a:p>
           <a:p>
@@ -4327,7 +4338,7 @@
                 <a:ea typeface="楷体" panose="02010609060101010101" pitchFamily="49" charset="-122"/>
                 <a:cs typeface="Times New Roman" panose="02020603050405020304" pitchFamily="18" charset="0"/>
               </a:rPr>
-              <a:t>consensus</a:t>
+              <a:t>support</a:t>
             </a:r>
           </a:p>
           <a:p>
@@ -4344,7 +4355,7 @@
                 <a:ea typeface="楷体" panose="02010609060101010101" pitchFamily="49" charset="-122"/>
                 <a:cs typeface="Times New Roman" panose="02020603050405020304" pitchFamily="18" charset="0"/>
               </a:rPr>
-              <a:t>relevant</a:t>
+              <a:t>consensus</a:t>
             </a:r>
           </a:p>
           <a:p>
@@ -4361,7 +4372,7 @@
                 <a:ea typeface="楷体" panose="02010609060101010101" pitchFamily="49" charset="-122"/>
                 <a:cs typeface="Times New Roman" panose="02020603050405020304" pitchFamily="18" charset="0"/>
               </a:rPr>
-              <a:t>pin</a:t>
+              <a:t>relevant</a:t>
             </a:r>
           </a:p>
           <a:p>
@@ -4378,7 +4389,7 @@
                 <a:ea typeface="楷体" panose="02010609060101010101" pitchFamily="49" charset="-122"/>
                 <a:cs typeface="Times New Roman" panose="02020603050405020304" pitchFamily="18" charset="0"/>
               </a:rPr>
-              <a:t>coincidence</a:t>
+              <a:t>endanger</a:t>
             </a:r>
           </a:p>
           <a:p>
@@ -4395,7 +4406,7 @@
                 <a:ea typeface="楷体" panose="02010609060101010101" pitchFamily="49" charset="-122"/>
                 <a:cs typeface="Times New Roman" panose="02020603050405020304" pitchFamily="18" charset="0"/>
               </a:rPr>
-              <a:t>drought</a:t>
+              <a:t>coincidence</a:t>
             </a:r>
           </a:p>
           <a:p>
@@ -4412,7 +4423,7 @@
                 <a:ea typeface="楷体" panose="02010609060101010101" pitchFamily="49" charset="-122"/>
                 <a:cs typeface="Times New Roman" panose="02020603050405020304" pitchFamily="18" charset="0"/>
               </a:rPr>
-              <a:t>reservation</a:t>
+              <a:t>enforce</a:t>
             </a:r>
           </a:p>
           <a:p>
@@ -4424,18 +4435,13 @@
               <a:buAutoNum type="arabicPeriod"/>
             </a:pPr>
             <a:r>
-              <a:rPr lang="zh-CN" altLang="en-US" sz="2800" b="1" dirty="0">
-                <a:latin typeface="Times New Roman" panose="02020603050405020304" pitchFamily="18" charset="0"/>
-                <a:ea typeface="楷体" panose="02010609060101010101" pitchFamily="49" charset="-122"/>
-                <a:cs typeface="Times New Roman" panose="02020603050405020304" pitchFamily="18" charset="0"/>
-              </a:rPr>
-              <a:t>采取行动</a:t>
-            </a:r>
-            <a:endParaRPr lang="en-US" altLang="zh-CN" sz="2800" b="1" dirty="0">
-              <a:latin typeface="Times New Roman" panose="02020603050405020304" pitchFamily="18" charset="0"/>
-              <a:ea typeface="楷体" panose="02010609060101010101" pitchFamily="49" charset="-122"/>
-              <a:cs typeface="Times New Roman" panose="02020603050405020304" pitchFamily="18" charset="0"/>
-            </a:endParaRPr>
+              <a:rPr lang="en-US" altLang="zh-CN" sz="2800" b="1" dirty="0">
+                <a:latin typeface="Times New Roman" panose="02020603050405020304" pitchFamily="18" charset="0"/>
+                <a:ea typeface="楷体" panose="02010609060101010101" pitchFamily="49" charset="-122"/>
+                <a:cs typeface="Times New Roman" panose="02020603050405020304" pitchFamily="18" charset="0"/>
+              </a:rPr>
+              <a:t>reservation</a:t>
+            </a:r>
           </a:p>
           <a:p>
             <a:pPr marL="514350" lvl="0" indent="-514350">
@@ -4446,13 +4452,18 @@
               <a:buAutoNum type="arabicPeriod"/>
             </a:pPr>
             <a:r>
-              <a:rPr lang="en-US" altLang="zh-CN" sz="2800" b="1" dirty="0">
-                <a:latin typeface="Times New Roman" panose="02020603050405020304" pitchFamily="18" charset="0"/>
-                <a:ea typeface="楷体" panose="02010609060101010101" pitchFamily="49" charset="-122"/>
-                <a:cs typeface="Times New Roman" panose="02020603050405020304" pitchFamily="18" charset="0"/>
-              </a:rPr>
-              <a:t>advocate</a:t>
-            </a:r>
+              <a:rPr lang="zh-CN" altLang="en-US" sz="2800" b="1" dirty="0">
+                <a:latin typeface="Times New Roman" panose="02020603050405020304" pitchFamily="18" charset="0"/>
+                <a:ea typeface="楷体" panose="02010609060101010101" pitchFamily="49" charset="-122"/>
+                <a:cs typeface="Times New Roman" panose="02020603050405020304" pitchFamily="18" charset="0"/>
+              </a:rPr>
+              <a:t>采取行动</a:t>
+            </a:r>
+            <a:endParaRPr lang="en-US" altLang="zh-CN" sz="2800" b="1" dirty="0">
+              <a:latin typeface="Times New Roman" panose="02020603050405020304" pitchFamily="18" charset="0"/>
+              <a:ea typeface="楷体" panose="02010609060101010101" pitchFamily="49" charset="-122"/>
+              <a:cs typeface="Times New Roman" panose="02020603050405020304" pitchFamily="18" charset="0"/>
+            </a:endParaRPr>
           </a:p>
           <a:p>
             <a:pPr marL="514350" lvl="0" indent="-514350">
@@ -4468,7 +4479,7 @@
                 <a:ea typeface="楷体" panose="02010609060101010101" pitchFamily="49" charset="-122"/>
                 <a:cs typeface="Times New Roman" panose="02020603050405020304" pitchFamily="18" charset="0"/>
               </a:rPr>
-              <a:t>substitute</a:t>
+              <a:t>advocate</a:t>
             </a:r>
           </a:p>
         </p:txBody>
@@ -4476,7 +4487,7 @@
     </p:spTree>
     <p:extLst>
       <p:ext uri="{BB962C8B-B14F-4D97-AF65-F5344CB8AC3E}">
-        <p14:creationId xmlns:p14="http://schemas.microsoft.com/office/powerpoint/2010/main" val="355679919"/>
+        <p14:creationId xmlns:p14="http://schemas.microsoft.com/office/powerpoint/2010/main" val="2761234219"/>
       </p:ext>
     </p:extLst>
   </p:cSld>
@@ -5698,7 +5709,7 @@
         <p:spPr>
           <a:xfrm>
             <a:off x="906021" y="0"/>
-            <a:ext cx="3270054" cy="6478184"/>
+            <a:ext cx="3270054" cy="6473824"/>
           </a:xfrm>
           <a:prstGeom prst="rect">
             <a:avLst/>
@@ -5724,7 +5735,7 @@
                 <a:ea typeface="楷体" panose="02010609060101010101" pitchFamily="49" charset="-122"/>
                 <a:cs typeface="Times New Roman" panose="02020603050405020304" pitchFamily="18" charset="0"/>
               </a:rPr>
-              <a:t>threaten</a:t>
+              <a:t>substitute</a:t>
             </a:r>
           </a:p>
           <a:p>
@@ -5741,7 +5752,7 @@
                 <a:ea typeface="楷体" panose="02010609060101010101" pitchFamily="49" charset="-122"/>
                 <a:cs typeface="Times New Roman" panose="02020603050405020304" pitchFamily="18" charset="0"/>
               </a:rPr>
-              <a:t>beyond</a:t>
+              <a:t>threaten</a:t>
             </a:r>
           </a:p>
           <a:p>
@@ -5758,7 +5769,7 @@
                 <a:ea typeface="楷体" panose="02010609060101010101" pitchFamily="49" charset="-122"/>
                 <a:cs typeface="Times New Roman" panose="02020603050405020304" pitchFamily="18" charset="0"/>
               </a:rPr>
-              <a:t>condemn</a:t>
+              <a:t>beyond</a:t>
             </a:r>
           </a:p>
           <a:p>
@@ -5775,7 +5786,7 @@
                 <a:ea typeface="楷体" panose="02010609060101010101" pitchFamily="49" charset="-122"/>
                 <a:cs typeface="Times New Roman" panose="02020603050405020304" pitchFamily="18" charset="0"/>
               </a:rPr>
-              <a:t>recycle</a:t>
+              <a:t>extinct</a:t>
             </a:r>
           </a:p>
           <a:p>
@@ -5792,7 +5803,7 @@
                 <a:ea typeface="楷体" panose="02010609060101010101" pitchFamily="49" charset="-122"/>
                 <a:cs typeface="Times New Roman" panose="02020603050405020304" pitchFamily="18" charset="0"/>
               </a:rPr>
-              <a:t>hurricane</a:t>
+              <a:t>recycle</a:t>
             </a:r>
           </a:p>
           <a:p>
@@ -5809,7 +5820,7 @@
                 <a:ea typeface="楷体" panose="02010609060101010101" pitchFamily="49" charset="-122"/>
                 <a:cs typeface="Times New Roman" panose="02020603050405020304" pitchFamily="18" charset="0"/>
               </a:rPr>
-              <a:t>claim</a:t>
+              <a:t>apart from</a:t>
             </a:r>
           </a:p>
           <a:p>
@@ -5821,18 +5832,13 @@
               <a:buAutoNum type="arabicPeriod" startAt="11"/>
             </a:pPr>
             <a:r>
-              <a:rPr lang="zh-CN" altLang="en-US" sz="2800" b="1" dirty="0">
-                <a:latin typeface="Times New Roman" panose="02020603050405020304" pitchFamily="18" charset="0"/>
-                <a:ea typeface="楷体" panose="02010609060101010101" pitchFamily="49" charset="-122"/>
-                <a:cs typeface="Times New Roman" panose="02020603050405020304" pitchFamily="18" charset="0"/>
-              </a:rPr>
-              <a:t>导致</a:t>
-            </a:r>
-            <a:endParaRPr lang="en-US" altLang="zh-CN" sz="2800" b="1" dirty="0">
-              <a:latin typeface="Times New Roman" panose="02020603050405020304" pitchFamily="18" charset="0"/>
-              <a:ea typeface="楷体" panose="02010609060101010101" pitchFamily="49" charset="-122"/>
-              <a:cs typeface="Times New Roman" panose="02020603050405020304" pitchFamily="18" charset="0"/>
-            </a:endParaRPr>
+              <a:rPr lang="en-US" altLang="zh-CN" sz="2800" b="1" dirty="0">
+                <a:latin typeface="Times New Roman" panose="02020603050405020304" pitchFamily="18" charset="0"/>
+                <a:ea typeface="楷体" panose="02010609060101010101" pitchFamily="49" charset="-122"/>
+                <a:cs typeface="Times New Roman" panose="02020603050405020304" pitchFamily="18" charset="0"/>
+              </a:rPr>
+              <a:t>claim</a:t>
+            </a:r>
           </a:p>
           <a:p>
             <a:pPr marL="514350" lvl="0" indent="-514350">
@@ -5848,7 +5854,7 @@
                 <a:ea typeface="楷体" panose="02010609060101010101" pitchFamily="49" charset="-122"/>
                 <a:cs typeface="Times New Roman" panose="02020603050405020304" pitchFamily="18" charset="0"/>
               </a:rPr>
-              <a:t>展望未来</a:t>
+              <a:t>导致</a:t>
             </a:r>
             <a:endParaRPr lang="en-US" altLang="zh-CN" sz="2800" b="1" dirty="0">
               <a:latin typeface="Times New Roman" panose="02020603050405020304" pitchFamily="18" charset="0"/>
@@ -5887,7 +5893,7 @@
                 <a:ea typeface="楷体" panose="02010609060101010101" pitchFamily="49" charset="-122"/>
                 <a:cs typeface="Times New Roman" panose="02020603050405020304" pitchFamily="18" charset="0"/>
               </a:rPr>
-              <a:t>依次</a:t>
+              <a:t>代表四中</a:t>
             </a:r>
             <a:endParaRPr lang="en-US" altLang="zh-CN" sz="2800" b="1" dirty="0">
               <a:latin typeface="Times New Roman" panose="02020603050405020304" pitchFamily="18" charset="0"/>
@@ -5912,7 +5918,7 @@
         <p:spPr>
           <a:xfrm>
             <a:off x="5071619" y="0"/>
-            <a:ext cx="6033155" cy="6454652"/>
+            <a:ext cx="6033155" cy="6478184"/>
           </a:xfrm>
           <a:prstGeom prst="rect">
             <a:avLst/>
@@ -5941,6 +5947,37 @@
                 <a:ea typeface="楷体" panose="02010609060101010101" pitchFamily="49" charset="-122"/>
                 <a:cs typeface="Times New Roman" panose="02020603050405020304" pitchFamily="18" charset="0"/>
               </a:rPr>
+              <a:t>替代品 </a:t>
+            </a:r>
+            <a:r>
+              <a:rPr lang="en-US" altLang="zh-CN" sz="2800" b="1" dirty="0">
+                <a:solidFill>
+                  <a:srgbClr val="0070C0"/>
+                </a:solidFill>
+                <a:latin typeface="Times New Roman" panose="02020603050405020304" pitchFamily="18" charset="0"/>
+                <a:ea typeface="楷体" panose="02010609060101010101" pitchFamily="49" charset="-122"/>
+                <a:cs typeface="Times New Roman" panose="02020603050405020304" pitchFamily="18" charset="0"/>
+              </a:rPr>
+              <a:t>n.</a:t>
+            </a:r>
+          </a:p>
+          <a:p>
+            <a:pPr marL="514350" lvl="0" indent="-514350">
+              <a:lnSpc>
+                <a:spcPct val="150000"/>
+              </a:lnSpc>
+              <a:buFont typeface="+mj-lt"/>
+              <a:buAutoNum type="arabicPeriod" startAt="11"/>
+            </a:pPr>
+            <a:r>
+              <a:rPr lang="zh-CN" altLang="en-US" sz="2800" b="1" dirty="0">
+                <a:solidFill>
+                  <a:srgbClr val="0070C0"/>
+                </a:solidFill>
+                <a:latin typeface="Times New Roman" panose="02020603050405020304" pitchFamily="18" charset="0"/>
+                <a:ea typeface="楷体" panose="02010609060101010101" pitchFamily="49" charset="-122"/>
+                <a:cs typeface="Times New Roman" panose="02020603050405020304" pitchFamily="18" charset="0"/>
+              </a:rPr>
               <a:t>威胁 </a:t>
             </a:r>
             <a:r>
@@ -6011,7 +6048,49 @@
                 <a:ea typeface="楷体" panose="02010609060101010101" pitchFamily="49" charset="-122"/>
                 <a:cs typeface="Times New Roman" panose="02020603050405020304" pitchFamily="18" charset="0"/>
               </a:rPr>
-              <a:t>迫使（某人）陷入不幸的境地</a:t>
+              <a:t>绝种的，灭绝的 </a:t>
+            </a:r>
+            <a:r>
+              <a:rPr lang="en-US" altLang="zh-CN" sz="2800" b="1" dirty="0">
+                <a:solidFill>
+                  <a:srgbClr val="0070C0"/>
+                </a:solidFill>
+                <a:latin typeface="Times New Roman" panose="02020603050405020304" pitchFamily="18" charset="0"/>
+                <a:ea typeface="楷体" panose="02010609060101010101" pitchFamily="49" charset="-122"/>
+                <a:cs typeface="Times New Roman" panose="02020603050405020304" pitchFamily="18" charset="0"/>
+              </a:rPr>
+              <a:t>adj.</a:t>
+            </a:r>
+          </a:p>
+          <a:p>
+            <a:pPr marL="514350" lvl="0" indent="-514350">
+              <a:lnSpc>
+                <a:spcPct val="150000"/>
+              </a:lnSpc>
+              <a:buFont typeface="+mj-lt"/>
+              <a:buAutoNum type="arabicPeriod" startAt="11"/>
+            </a:pPr>
+            <a:r>
+              <a:rPr lang="zh-CN" altLang="en-US" sz="2800" b="1" dirty="0">
+                <a:solidFill>
+                  <a:srgbClr val="0070C0"/>
+                </a:solidFill>
+                <a:latin typeface="Times New Roman" panose="02020603050405020304" pitchFamily="18" charset="0"/>
+                <a:ea typeface="楷体" panose="02010609060101010101" pitchFamily="49" charset="-122"/>
+                <a:cs typeface="Times New Roman" panose="02020603050405020304" pitchFamily="18" charset="0"/>
+              </a:rPr>
+              <a:t>回收利用 </a:t>
+            </a:r>
+            <a:r>
+              <a:rPr lang="en-US" altLang="zh-CN" sz="2800" b="1" dirty="0" err="1">
+                <a:solidFill>
+                  <a:srgbClr val="0070C0"/>
+                </a:solidFill>
+                <a:latin typeface="Times New Roman" panose="02020603050405020304" pitchFamily="18" charset="0"/>
+                <a:ea typeface="楷体" panose="02010609060101010101" pitchFamily="49" charset="-122"/>
+                <a:cs typeface="Times New Roman" panose="02020603050405020304" pitchFamily="18" charset="0"/>
+              </a:rPr>
+              <a:t>vt.</a:t>
             </a:r>
             <a:endParaRPr lang="en-US" altLang="zh-CN" sz="2800" b="1" dirty="0">
               <a:solidFill>
@@ -6039,7 +6118,38 @@
                 <a:ea typeface="楷体" panose="02010609060101010101" pitchFamily="49" charset="-122"/>
                 <a:cs typeface="Times New Roman" panose="02020603050405020304" pitchFamily="18" charset="0"/>
               </a:rPr>
-              <a:t>回收利用 </a:t>
+              <a:t>除了 </a:t>
+            </a:r>
+            <a:r>
+              <a:rPr lang="en-US" altLang="zh-CN" sz="2800" b="1" dirty="0">
+                <a:solidFill>
+                  <a:srgbClr val="0070C0"/>
+                </a:solidFill>
+                <a:latin typeface="Times New Roman" panose="02020603050405020304" pitchFamily="18" charset="0"/>
+                <a:ea typeface="楷体" panose="02010609060101010101" pitchFamily="49" charset="-122"/>
+                <a:cs typeface="Times New Roman" panose="02020603050405020304" pitchFamily="18" charset="0"/>
+              </a:rPr>
+              <a:t>n.</a:t>
+            </a:r>
+          </a:p>
+          <a:p>
+            <a:pPr marL="514350" lvl="0" indent="-514350">
+              <a:lnSpc>
+                <a:spcPct val="150000"/>
+              </a:lnSpc>
+              <a:buFont typeface="+mj-lt"/>
+              <a:buAutoNum type="arabicPeriod" startAt="11"/>
+            </a:pPr>
+            <a:r>
+              <a:rPr lang="zh-CN" altLang="en-US" sz="2800" b="1" dirty="0">
+                <a:solidFill>
+                  <a:srgbClr val="0070C0"/>
+                </a:solidFill>
+                <a:latin typeface="Times New Roman" panose="02020603050405020304" pitchFamily="18" charset="0"/>
+                <a:ea typeface="楷体" panose="02010609060101010101" pitchFamily="49" charset="-122"/>
+                <a:cs typeface="Times New Roman" panose="02020603050405020304" pitchFamily="18" charset="0"/>
+              </a:rPr>
+              <a:t>宣称 </a:t>
             </a:r>
             <a:r>
               <a:rPr lang="en-US" altLang="zh-CN" sz="2800" b="1" dirty="0" err="1">
@@ -6070,17 +6180,6 @@
               <a:buAutoNum type="arabicPeriod" startAt="11"/>
             </a:pPr>
             <a:r>
-              <a:rPr lang="zh-CN" altLang="en-US" sz="2800" b="1" dirty="0">
-                <a:solidFill>
-                  <a:srgbClr val="0070C0"/>
-                </a:solidFill>
-                <a:latin typeface="Times New Roman" panose="02020603050405020304" pitchFamily="18" charset="0"/>
-                <a:ea typeface="楷体" panose="02010609060101010101" pitchFamily="49" charset="-122"/>
-                <a:cs typeface="Times New Roman" panose="02020603050405020304" pitchFamily="18" charset="0"/>
-              </a:rPr>
-              <a:t>飓风 </a:t>
-            </a:r>
-            <a:r>
               <a:rPr lang="en-US" altLang="zh-CN" sz="2800" b="1" dirty="0">
                 <a:solidFill>
                   <a:srgbClr val="0070C0"/>
@@ -6089,7 +6188,7 @@
                 <a:ea typeface="楷体" panose="02010609060101010101" pitchFamily="49" charset="-122"/>
                 <a:cs typeface="Times New Roman" panose="02020603050405020304" pitchFamily="18" charset="0"/>
               </a:rPr>
-              <a:t>n.</a:t>
+              <a:t>lead to (doing) =result in</a:t>
             </a:r>
           </a:p>
           <a:p>
@@ -6109,18 +6208,7 @@
                 <a:ea typeface="楷体" panose="02010609060101010101" pitchFamily="49" charset="-122"/>
                 <a:cs typeface="Times New Roman" panose="02020603050405020304" pitchFamily="18" charset="0"/>
               </a:rPr>
-              <a:t>宣称 </a:t>
-            </a:r>
-            <a:r>
-              <a:rPr lang="en-US" altLang="zh-CN" sz="2800" b="1" dirty="0" err="1">
-                <a:solidFill>
-                  <a:srgbClr val="0070C0"/>
-                </a:solidFill>
-                <a:latin typeface="Times New Roman" panose="02020603050405020304" pitchFamily="18" charset="0"/>
-                <a:ea typeface="楷体" panose="02010609060101010101" pitchFamily="49" charset="-122"/>
-                <a:cs typeface="Times New Roman" panose="02020603050405020304" pitchFamily="18" charset="0"/>
-              </a:rPr>
-              <a:t>vt.</a:t>
+              <a:t>指代；提及；参考</a:t>
             </a:r>
             <a:endParaRPr lang="en-US" altLang="zh-CN" sz="2800" b="1" dirty="0">
               <a:solidFill>
@@ -6148,75 +6236,7 @@
                 <a:ea typeface="楷体" panose="02010609060101010101" pitchFamily="49" charset="-122"/>
                 <a:cs typeface="Times New Roman" panose="02020603050405020304" pitchFamily="18" charset="0"/>
               </a:rPr>
-              <a:t>lead to (doing) =result in</a:t>
-            </a:r>
-          </a:p>
-          <a:p>
-            <a:pPr marL="514350" lvl="0" indent="-514350">
-              <a:lnSpc>
-                <a:spcPct val="150000"/>
-              </a:lnSpc>
-              <a:buFont typeface="+mj-lt"/>
-              <a:buAutoNum type="arabicPeriod" startAt="11"/>
-            </a:pPr>
-            <a:r>
-              <a:rPr lang="en-US" altLang="zh-CN" sz="2800" b="1" dirty="0">
-                <a:solidFill>
-                  <a:srgbClr val="0070C0"/>
-                </a:solidFill>
-                <a:latin typeface="Times New Roman" panose="02020603050405020304" pitchFamily="18" charset="0"/>
-                <a:ea typeface="楷体" panose="02010609060101010101" pitchFamily="49" charset="-122"/>
-                <a:cs typeface="Times New Roman" panose="02020603050405020304" pitchFamily="18" charset="0"/>
-              </a:rPr>
-              <a:t>look ahead</a:t>
-            </a:r>
-          </a:p>
-          <a:p>
-            <a:pPr marL="514350" lvl="0" indent="-514350">
-              <a:lnSpc>
-                <a:spcPct val="150000"/>
-              </a:lnSpc>
-              <a:buFont typeface="+mj-lt"/>
-              <a:buAutoNum type="arabicPeriod" startAt="11"/>
-            </a:pPr>
-            <a:r>
-              <a:rPr lang="zh-CN" altLang="en-US" sz="2800" b="1" dirty="0">
-                <a:solidFill>
-                  <a:srgbClr val="0070C0"/>
-                </a:solidFill>
-                <a:latin typeface="Times New Roman" panose="02020603050405020304" pitchFamily="18" charset="0"/>
-                <a:ea typeface="楷体" panose="02010609060101010101" pitchFamily="49" charset="-122"/>
-                <a:cs typeface="Times New Roman" panose="02020603050405020304" pitchFamily="18" charset="0"/>
-              </a:rPr>
-              <a:t>指代；提及；参考</a:t>
-            </a:r>
-            <a:endParaRPr lang="en-US" altLang="zh-CN" sz="2800" b="1" dirty="0">
-              <a:solidFill>
-                <a:srgbClr val="0070C0"/>
-              </a:solidFill>
-              <a:latin typeface="Times New Roman" panose="02020603050405020304" pitchFamily="18" charset="0"/>
-              <a:ea typeface="楷体" panose="02010609060101010101" pitchFamily="49" charset="-122"/>
-              <a:cs typeface="Times New Roman" panose="02020603050405020304" pitchFamily="18" charset="0"/>
-            </a:endParaRPr>
-          </a:p>
-          <a:p>
-            <a:pPr marL="514350" lvl="0" indent="-514350">
-              <a:lnSpc>
-                <a:spcPct val="150000"/>
-              </a:lnSpc>
-              <a:buFont typeface="+mj-lt"/>
-              <a:buAutoNum type="arabicPeriod" startAt="11"/>
-            </a:pPr>
-            <a:r>
-              <a:rPr lang="en-US" altLang="zh-CN" sz="2800" b="1" dirty="0">
-                <a:solidFill>
-                  <a:srgbClr val="0070C0"/>
-                </a:solidFill>
-                <a:latin typeface="Times New Roman" panose="02020603050405020304" pitchFamily="18" charset="0"/>
-                <a:ea typeface="楷体" panose="02010609060101010101" pitchFamily="49" charset="-122"/>
-                <a:cs typeface="Times New Roman" panose="02020603050405020304" pitchFamily="18" charset="0"/>
-              </a:rPr>
-              <a:t>in turn</a:t>
+              <a:t>On behalf of No. 4 High School</a:t>
             </a:r>
           </a:p>
         </p:txBody>
@@ -6224,7 +6244,7 @@
     </p:spTree>
     <p:extLst>
       <p:ext uri="{BB962C8B-B14F-4D97-AF65-F5344CB8AC3E}">
-        <p14:creationId xmlns:p14="http://schemas.microsoft.com/office/powerpoint/2010/main" val="820289433"/>
+        <p14:creationId xmlns:p14="http://schemas.microsoft.com/office/powerpoint/2010/main" val="3563396312"/>
       </p:ext>
     </p:extLst>
   </p:cSld>
@@ -6267,7 +6287,7 @@
                                         <p:tgtEl>
                                           <p:spTgt spid="3">
                                             <p:txEl>
-                                              <p:pRg st="0" end="0"/>
+                                              <p:pRg st="1" end="1"/>
                                             </p:txEl>
                                           </p:spTgt>
                                         </p:tgtEl>
@@ -6285,7 +6305,7 @@
                                         <p:tgtEl>
                                           <p:spTgt spid="3">
                                             <p:txEl>
-                                              <p:pRg st="0" end="0"/>
+                                              <p:pRg st="1" end="1"/>
                                             </p:txEl>
                                           </p:spTgt>
                                         </p:tgtEl>
@@ -6297,7 +6317,7 @@
                                         <p:tgtEl>
                                           <p:spTgt spid="3">
                                             <p:txEl>
-                                              <p:pRg st="0" end="0"/>
+                                              <p:pRg st="1" end="1"/>
                                             </p:txEl>
                                           </p:spTgt>
                                         </p:tgtEl>
@@ -6324,7 +6344,7 @@
                                         <p:tgtEl>
                                           <p:spTgt spid="3">
                                             <p:txEl>
-                                              <p:pRg st="0" end="0"/>
+                                              <p:pRg st="1" end="1"/>
                                             </p:txEl>
                                           </p:spTgt>
                                         </p:tgtEl>
@@ -6382,7 +6402,7 @@
                                         <p:tgtEl>
                                           <p:spTgt spid="3">
                                             <p:txEl>
-                                              <p:pRg st="1" end="1"/>
+                                              <p:pRg st="0" end="0"/>
                                             </p:txEl>
                                           </p:spTgt>
                                         </p:tgtEl>
@@ -6400,7 +6420,7 @@
                                         <p:tgtEl>
                                           <p:spTgt spid="3">
                                             <p:txEl>
-                                              <p:pRg st="1" end="1"/>
+                                              <p:pRg st="0" end="0"/>
                                             </p:txEl>
                                           </p:spTgt>
                                         </p:tgtEl>
@@ -6412,7 +6432,7 @@
                                         <p:tgtEl>
                                           <p:spTgt spid="3">
                                             <p:txEl>
-                                              <p:pRg st="1" end="1"/>
+                                              <p:pRg st="0" end="0"/>
                                             </p:txEl>
                                           </p:spTgt>
                                         </p:tgtEl>
@@ -6439,7 +6459,7 @@
                                         <p:tgtEl>
                                           <p:spTgt spid="3">
                                             <p:txEl>
-                                              <p:pRg st="1" end="1"/>
+                                              <p:pRg st="0" end="0"/>
                                             </p:txEl>
                                           </p:spTgt>
                                         </p:tgtEl>
@@ -7445,8 +7465,8 @@
         </p:nvSpPr>
         <p:spPr>
           <a:xfrm>
-            <a:off x="2300768" y="1432350"/>
-            <a:ext cx="8624897" cy="3156633"/>
+            <a:off x="2781536" y="2233629"/>
+            <a:ext cx="7741920" cy="1494640"/>
           </a:xfrm>
           <a:prstGeom prst="rect">
             <a:avLst/>
@@ -7476,28 +7496,7 @@
                 <a:latin typeface="楷体" panose="02010609060101010101" pitchFamily="49" charset="-122"/>
                 <a:ea typeface="楷体" panose="02010609060101010101" pitchFamily="49" charset="-122"/>
               </a:rPr>
-              <a:t>Unit 22 </a:t>
-            </a:r>
-          </a:p>
-          <a:p>
-            <a:pPr lvl="0">
-              <a:lnSpc>
-                <a:spcPct val="150000"/>
-              </a:lnSpc>
-            </a:pPr>
-            <a:r>
-              <a:rPr lang="en-US" altLang="zh-CN" sz="7200" b="1" dirty="0">
-                <a:effectLst>
-                  <a:outerShdw blurRad="38100" dist="38100" dir="2700000" algn="tl">
-                    <a:srgbClr val="000000">
-                      <a:alpha val="43137"/>
-                    </a:srgbClr>
-                  </a:outerShdw>
-                </a:effectLst>
-                <a:latin typeface="楷体" panose="02010609060101010101" pitchFamily="49" charset="-122"/>
-                <a:ea typeface="楷体" panose="02010609060101010101" pitchFamily="49" charset="-122"/>
-              </a:rPr>
-              <a:t>Warm up &amp; Lesson 2</a:t>
+              <a:t>Unit 22 Lesson 2</a:t>
             </a:r>
           </a:p>
         </p:txBody>
